--- a/trunk/doc/slides-enfase.pptx
+++ b/trunk/doc/slides-enfase.pptx
@@ -5,7 +5,7 @@
     <p:sldMasterId id="2147483648" r:id="rId1"/>
   </p:sldMasterIdLst>
   <p:notesMasterIdLst>
-    <p:notesMasterId r:id="rId18"/>
+    <p:notesMasterId r:id="rId20"/>
   </p:notesMasterIdLst>
   <p:sldIdLst>
     <p:sldId id="257" r:id="rId2"/>
@@ -19,11 +19,13 @@
     <p:sldId id="264" r:id="rId10"/>
     <p:sldId id="269" r:id="rId11"/>
     <p:sldId id="265" r:id="rId12"/>
-    <p:sldId id="270" r:id="rId13"/>
-    <p:sldId id="266" r:id="rId14"/>
-    <p:sldId id="273" r:id="rId15"/>
-    <p:sldId id="267" r:id="rId16"/>
-    <p:sldId id="275" r:id="rId17"/>
+    <p:sldId id="277" r:id="rId13"/>
+    <p:sldId id="270" r:id="rId14"/>
+    <p:sldId id="266" r:id="rId15"/>
+    <p:sldId id="273" r:id="rId16"/>
+    <p:sldId id="276" r:id="rId17"/>
+    <p:sldId id="267" r:id="rId18"/>
+    <p:sldId id="275" r:id="rId19"/>
   </p:sldIdLst>
   <p:sldSz cx="9144000" cy="6858000" type="screen4x3"/>
   <p:notesSz cx="6858000" cy="9144000"/>
@@ -784,7 +786,7 @@
               </a:spcBef>
             </a:pPr>
             <a:r>
-              <a:rPr lang="pt-BR" smtClean="0"/>
+              <a:rPr lang="pt-BR" dirty="0" smtClean="0"/>
               <a:t>Excesso de informação:</a:t>
             </a:r>
           </a:p>
@@ -795,55 +797,55 @@
               </a:spcBef>
             </a:pPr>
             <a:r>
-              <a:rPr lang="pt-BR" smtClean="0"/>
+              <a:rPr lang="pt-BR" dirty="0" smtClean="0"/>
               <a:t>	O excesso de informação é considerado hoje um dos problemas fundamentais da interação homem-computador. A Internet propicia acesso a milhões de documentos (CARR, 1999). De forma similar músicas são facilmente adquiridas em lojas virtuais como a </a:t>
             </a:r>
             <a:r>
-              <a:rPr lang="pt-BR" i="1" smtClean="0"/>
+              <a:rPr lang="pt-BR" i="1" dirty="0" smtClean="0"/>
               <a:t>Amazon.com</a:t>
             </a:r>
             <a:r>
-              <a:rPr lang="pt-BR" smtClean="0"/>
+              <a:rPr lang="pt-BR" dirty="0" smtClean="0"/>
               <a:t>, </a:t>
             </a:r>
             <a:r>
-              <a:rPr lang="pt-BR" i="1" smtClean="0"/>
+              <a:rPr lang="pt-BR" i="1" dirty="0" smtClean="0"/>
               <a:t>CDBaby.com</a:t>
             </a:r>
             <a:r>
-              <a:rPr lang="pt-BR" smtClean="0"/>
+              <a:rPr lang="pt-BR" dirty="0" smtClean="0"/>
               <a:t> e </a:t>
             </a:r>
             <a:r>
-              <a:rPr lang="pt-BR" i="1" smtClean="0"/>
+              <a:rPr lang="pt-BR" i="1" dirty="0" smtClean="0"/>
               <a:t>ItunesStore</a:t>
             </a:r>
             <a:r>
-              <a:rPr lang="pt-BR" smtClean="0"/>
+              <a:rPr lang="pt-BR" dirty="0" smtClean="0"/>
               <a:t>, em redes de compartilhamento de arquivos P2P (</a:t>
             </a:r>
             <a:r>
-              <a:rPr lang="pt-BR" i="1" smtClean="0"/>
+              <a:rPr lang="pt-BR" i="1" dirty="0" smtClean="0"/>
               <a:t>Peer-To-Peer</a:t>
             </a:r>
             <a:r>
-              <a:rPr lang="pt-BR" smtClean="0"/>
+              <a:rPr lang="pt-BR" dirty="0" smtClean="0"/>
               <a:t>), ou em redes de armazenamento virtual como </a:t>
             </a:r>
             <a:r>
-              <a:rPr lang="pt-BR" i="1" smtClean="0"/>
+              <a:rPr lang="pt-BR" i="1" dirty="0" smtClean="0"/>
               <a:t>RapidShare</a:t>
             </a:r>
             <a:r>
-              <a:rPr lang="pt-BR" smtClean="0"/>
+              <a:rPr lang="pt-BR" dirty="0" smtClean="0"/>
               <a:t> e </a:t>
             </a:r>
             <a:r>
-              <a:rPr lang="pt-BR" i="1" smtClean="0"/>
+              <a:rPr lang="pt-BR" i="1" dirty="0" smtClean="0"/>
               <a:t>4Shared</a:t>
             </a:r>
             <a:r>
-              <a:rPr lang="pt-BR" smtClean="0"/>
+              <a:rPr lang="pt-BR" dirty="0" smtClean="0"/>
               <a:t>.</a:t>
             </a:r>
           </a:p>
@@ -853,7 +855,7 @@
                 <a:spcPct val="0"/>
               </a:spcBef>
             </a:pPr>
-            <a:endParaRPr lang="pt-BR" smtClean="0"/>
+            <a:endParaRPr lang="pt-BR" dirty="0" smtClean="0"/>
           </a:p>
           <a:p>
             <a:pPr>
@@ -862,7 +864,7 @@
               </a:spcBef>
             </a:pPr>
             <a:r>
-              <a:rPr lang="pt-BR" smtClean="0"/>
+              <a:rPr lang="pt-BR" dirty="0" smtClean="0"/>
               <a:t>Adquirir músicas:</a:t>
             </a:r>
           </a:p>
@@ -873,15 +875,15 @@
               </a:spcBef>
             </a:pPr>
             <a:r>
-              <a:rPr lang="pt-BR" smtClean="0"/>
+              <a:rPr lang="pt-BR" dirty="0" smtClean="0"/>
               <a:t>	A facilidade que existe para encontrar e descarregar músicas pela </a:t>
             </a:r>
             <a:r>
-              <a:rPr lang="pt-BR" i="1" smtClean="0"/>
+              <a:rPr lang="pt-BR" i="1" dirty="0" smtClean="0"/>
               <a:t>Internet</a:t>
             </a:r>
             <a:r>
-              <a:rPr lang="pt-BR" smtClean="0"/>
+              <a:rPr lang="pt-BR" dirty="0" smtClean="0"/>
               <a:t> leva muitos usuários a armazenar uma grande quantidade de músicas, na maioria das vezes de diversos gêneros e artistas diferentes. Com uma coleção vasta de músicas pode ser difícil organizar e visualizar tanta informação. Surge então a necessidade de organizar todo esse conteúdo a fim de se obter uma melhor visualização da biblioteca de músicas como um todo.</a:t>
             </a:r>
           </a:p>
@@ -891,7 +893,7 @@
                 <a:spcPct val="0"/>
               </a:spcBef>
             </a:pPr>
-            <a:endParaRPr lang="pt-BR" smtClean="0"/>
+            <a:endParaRPr lang="pt-BR" dirty="0" smtClean="0"/>
           </a:p>
           <a:p>
             <a:pPr>
@@ -900,7 +902,7 @@
               </a:spcBef>
             </a:pPr>
             <a:r>
-              <a:rPr lang="pt-BR" smtClean="0"/>
+              <a:rPr lang="pt-BR" dirty="0" smtClean="0"/>
               <a:t>Tocadores de música e suas limitações:</a:t>
             </a:r>
           </a:p>
@@ -911,7 +913,7 @@
               </a:spcBef>
             </a:pPr>
             <a:r>
-              <a:rPr lang="pt-BR" smtClean="0"/>
+              <a:rPr lang="pt-BR" dirty="0" smtClean="0"/>
               <a:t>	Atualmente os tocadores de músicas se limitam a organizar a coleção de música do usuário por nome do artista, gênero, título etc.</a:t>
             </a:r>
           </a:p>
@@ -921,7 +923,7 @@
                 <a:spcPct val="0"/>
               </a:spcBef>
             </a:pPr>
-            <a:endParaRPr lang="pt-BR" smtClean="0"/>
+            <a:endParaRPr lang="pt-BR" dirty="0" smtClean="0"/>
           </a:p>
           <a:p>
             <a:pPr>
@@ -929,7 +931,7 @@
                 <a:spcPct val="0"/>
               </a:spcBef>
             </a:pPr>
-            <a:endParaRPr lang="pt-BR" smtClean="0"/>
+            <a:endParaRPr lang="pt-BR" dirty="0" smtClean="0"/>
           </a:p>
         </p:txBody>
       </p:sp>
@@ -984,6 +986,93 @@
             <a:endParaRPr lang="pt-BR">
               <a:cs typeface="Arial" charset="0"/>
             </a:endParaRPr>
+          </a:p>
+        </p:txBody>
+      </p:sp>
+    </p:spTree>
+  </p:cSld>
+  <p:clrMapOvr>
+    <a:masterClrMapping/>
+  </p:clrMapOvr>
+</p:notes>
+</file>
+
+<file path=ppt/notesSlides/notesSlide3.xml><?xml version="1.0" encoding="utf-8"?>
+<p:notes xmlns:a="http://schemas.openxmlformats.org/drawingml/2006/main" xmlns:r="http://schemas.openxmlformats.org/officeDocument/2006/relationships" xmlns:p="http://schemas.openxmlformats.org/presentationml/2006/main">
+  <p:cSld>
+    <p:spTree>
+      <p:nvGrpSpPr>
+        <p:cNvPr id="1" name=""/>
+        <p:cNvGrpSpPr/>
+        <p:nvPr/>
+      </p:nvGrpSpPr>
+      <p:grpSpPr>
+        <a:xfrm>
+          <a:off x="0" y="0"/>
+          <a:ext cx="0" cy="0"/>
+          <a:chOff x="0" y="0"/>
+          <a:chExt cx="0" cy="0"/>
+        </a:xfrm>
+      </p:grpSpPr>
+      <p:sp>
+        <p:nvSpPr>
+          <p:cNvPr id="2" name="Slide Image Placeholder 1"/>
+          <p:cNvSpPr>
+            <a:spLocks noGrp="1" noRot="1" noChangeAspect="1"/>
+          </p:cNvSpPr>
+          <p:nvPr>
+            <p:ph type="sldImg"/>
+          </p:nvPr>
+        </p:nvSpPr>
+        <p:spPr/>
+      </p:sp>
+      <p:sp>
+        <p:nvSpPr>
+          <p:cNvPr id="3" name="Notes Placeholder 2"/>
+          <p:cNvSpPr>
+            <a:spLocks noGrp="1"/>
+          </p:cNvSpPr>
+          <p:nvPr>
+            <p:ph type="body" idx="1"/>
+          </p:nvPr>
+        </p:nvSpPr>
+        <p:spPr/>
+        <p:txBody>
+          <a:bodyPr>
+            <a:normAutofit/>
+          </a:bodyPr>
+          <a:lstStyle/>
+          <a:p>
+            <a:endParaRPr lang="pt-BR" dirty="0"/>
+          </a:p>
+        </p:txBody>
+      </p:sp>
+      <p:sp>
+        <p:nvSpPr>
+          <p:cNvPr id="4" name="Slide Number Placeholder 3"/>
+          <p:cNvSpPr>
+            <a:spLocks noGrp="1"/>
+          </p:cNvSpPr>
+          <p:nvPr>
+            <p:ph type="sldNum" sz="quarter" idx="10"/>
+          </p:nvPr>
+        </p:nvSpPr>
+        <p:spPr/>
+        <p:txBody>
+          <a:bodyPr/>
+          <a:lstStyle/>
+          <a:p>
+            <a:pPr>
+              <a:defRPr/>
+            </a:pPr>
+            <a:fld id="{DB3993D6-3A34-4CE7-A899-9B8810758DBF}" type="slidenum">
+              <a:rPr lang="pt-BR" smtClean="0"/>
+              <a:pPr>
+                <a:defRPr/>
+              </a:pPr>
+              <a:t>18</a:t>
+            </a:fld>
+            <a:endParaRPr lang="pt-BR"/>
           </a:p>
         </p:txBody>
       </p:sp>
@@ -1021,7 +1110,7 @@
           <p:nvPr userDrawn="1"/>
         </p:nvPicPr>
         <p:blipFill>
-          <a:blip r:embed="rId2"/>
+          <a:blip r:embed="rId2" cstate="print"/>
           <a:srcRect/>
           <a:stretch>
             <a:fillRect/>
@@ -3797,7 +3886,7 @@
           <p:nvPr userDrawn="1"/>
         </p:nvPicPr>
         <p:blipFill>
-          <a:blip r:embed="rId13"/>
+          <a:blip r:embed="rId13" cstate="print"/>
           <a:srcRect/>
           <a:stretch>
             <a:fillRect/>
@@ -4679,12 +4768,66 @@
           <a:lstStyle/>
           <a:p>
             <a:r>
-              <a:rPr lang="pt-BR" smtClean="0"/>
-              <a:t>Marcadores personalizados</a:t>
-            </a:r>
-          </a:p>
-          <a:p>
-            <a:endParaRPr lang="pt-BR" smtClean="0"/>
+              <a:rPr lang="pt-BR" dirty="0" smtClean="0"/>
+              <a:t>Marcadores </a:t>
+            </a:r>
+            <a:endParaRPr lang="pt-BR" dirty="0" smtClean="0"/>
+          </a:p>
+          <a:p>
+            <a:pPr>
+              <a:buNone/>
+            </a:pPr>
+            <a:r>
+              <a:rPr lang="pt-BR" dirty="0" smtClean="0"/>
+              <a:t>	</a:t>
+            </a:r>
+            <a:r>
+              <a:rPr lang="pt-BR" dirty="0" smtClean="0"/>
+              <a:t>	</a:t>
+            </a:r>
+            <a:r>
+              <a:rPr lang="pt-BR" dirty="0" smtClean="0"/>
+              <a:t>personalizados</a:t>
+            </a:r>
+          </a:p>
+          <a:p>
+            <a:endParaRPr lang="pt-BR" dirty="0" smtClean="0"/>
+          </a:p>
+          <a:p>
+            <a:r>
+              <a:rPr lang="pt-BR" dirty="0" smtClean="0"/>
+              <a:t>- Cor + </a:t>
+            </a:r>
+          </a:p>
+          <a:p>
+            <a:pPr>
+              <a:buNone/>
+            </a:pPr>
+            <a:r>
+              <a:rPr lang="pt-BR" dirty="0" smtClean="0"/>
+              <a:t>	</a:t>
+            </a:r>
+            <a:r>
+              <a:rPr lang="pt-BR" dirty="0" smtClean="0"/>
+              <a:t>	Descrição Textual +</a:t>
+            </a:r>
+          </a:p>
+          <a:p>
+            <a:pPr>
+              <a:buNone/>
+            </a:pPr>
+            <a:r>
+              <a:rPr lang="pt-BR" dirty="0" smtClean="0"/>
+              <a:t>	</a:t>
+            </a:r>
+            <a:r>
+              <a:rPr lang="pt-BR" dirty="0" smtClean="0"/>
+              <a:t>				 Valor</a:t>
+            </a:r>
+            <a:endParaRPr lang="pt-BR" dirty="0" smtClean="0"/>
+          </a:p>
+          <a:p>
+            <a:endParaRPr lang="pt-BR" dirty="0" smtClean="0"/>
           </a:p>
         </p:txBody>
       </p:sp>
@@ -4781,6 +4924,76 @@
             </a:fld>
             <a:endParaRPr lang="pt-BR">
               <a:cs typeface="Arial" charset="0"/>
+            </a:endParaRPr>
+          </a:p>
+        </p:txBody>
+      </p:sp>
+      <p:pic>
+        <p:nvPicPr>
+          <p:cNvPr id="1026" name="Picture 2" descr="marcador_criar_c"/>
+          <p:cNvPicPr>
+            <a:picLocks noChangeAspect="1" noChangeArrowheads="1"/>
+          </p:cNvPicPr>
+          <p:nvPr/>
+        </p:nvPicPr>
+        <p:blipFill>
+          <a:blip r:embed="rId2" cstate="print"/>
+          <a:srcRect/>
+          <a:stretch>
+            <a:fillRect/>
+          </a:stretch>
+        </p:blipFill>
+        <p:spPr bwMode="auto">
+          <a:xfrm>
+            <a:off x="6072198" y="1071546"/>
+            <a:ext cx="2071702" cy="5072098"/>
+          </a:xfrm>
+          <a:prstGeom prst="rect">
+            <a:avLst/>
+          </a:prstGeom>
+          <a:noFill/>
+          <a:ln w="9525">
+            <a:noFill/>
+            <a:miter lim="800000"/>
+            <a:headEnd/>
+            <a:tailEnd/>
+          </a:ln>
+        </p:spPr>
+      </p:pic>
+      <p:sp>
+        <p:nvSpPr>
+          <p:cNvPr id="7" name="TextBox 6"/>
+          <p:cNvSpPr txBox="1"/>
+          <p:nvPr/>
+        </p:nvSpPr>
+        <p:spPr>
+          <a:xfrm>
+            <a:off x="6429388" y="6143644"/>
+            <a:ext cx="1402948" cy="369332"/>
+          </a:xfrm>
+          <a:prstGeom prst="rect">
+            <a:avLst/>
+          </a:prstGeom>
+          <a:noFill/>
+        </p:spPr>
+        <p:txBody>
+          <a:bodyPr wrap="none" rtlCol="0">
+            <a:spAutoFit/>
+          </a:bodyPr>
+          <a:lstStyle/>
+          <a:p>
+            <a:r>
+              <a:rPr lang="pt-BR" dirty="0" smtClean="0">
+                <a:solidFill>
+                  <a:schemeClr val="bg1"/>
+                </a:solidFill>
+              </a:rPr>
+              <a:t>Marcadores</a:t>
+            </a:r>
+            <a:endParaRPr lang="pt-BR" dirty="0">
+              <a:solidFill>
+                <a:schemeClr val="bg1"/>
+              </a:solidFill>
             </a:endParaRPr>
           </a:p>
         </p:txBody>
@@ -4967,7 +5180,7 @@
           <p:nvPr/>
         </p:nvPicPr>
         <p:blipFill>
-          <a:blip r:embed="rId2"/>
+          <a:blip r:embed="rId2" cstate="print"/>
           <a:srcRect/>
           <a:stretch>
             <a:fillRect/>
@@ -5024,6 +5237,262 @@
       </p:grpSpPr>
       <p:sp>
         <p:nvSpPr>
+          <p:cNvPr id="2" name="Title 1"/>
+          <p:cNvSpPr>
+            <a:spLocks noGrp="1"/>
+          </p:cNvSpPr>
+          <p:nvPr>
+            <p:ph type="title"/>
+          </p:nvPr>
+        </p:nvSpPr>
+        <p:spPr/>
+        <p:txBody>
+          <a:bodyPr/>
+          <a:lstStyle/>
+          <a:p>
+            <a:r>
+              <a:rPr lang="pt-BR" dirty="0" smtClean="0"/>
+              <a:t>Métodos</a:t>
+            </a:r>
+            <a:endParaRPr lang="pt-BR" dirty="0"/>
+          </a:p>
+        </p:txBody>
+      </p:sp>
+      <p:sp>
+        <p:nvSpPr>
+          <p:cNvPr id="3" name="Content Placeholder 2"/>
+          <p:cNvSpPr>
+            <a:spLocks noGrp="1"/>
+          </p:cNvSpPr>
+          <p:nvPr>
+            <p:ph idx="1"/>
+          </p:nvPr>
+        </p:nvSpPr>
+        <p:spPr/>
+        <p:txBody>
+          <a:bodyPr/>
+          <a:lstStyle/>
+          <a:p>
+            <a:r>
+              <a:rPr lang="pt-BR" dirty="0" smtClean="0"/>
+              <a:t>PCA Simplicicado</a:t>
+            </a:r>
+            <a:endParaRPr lang="pt-BR" dirty="0"/>
+          </a:p>
+        </p:txBody>
+      </p:sp>
+      <p:sp>
+        <p:nvSpPr>
+          <p:cNvPr id="4" name="Footer Placeholder 3"/>
+          <p:cNvSpPr>
+            <a:spLocks noGrp="1"/>
+          </p:cNvSpPr>
+          <p:nvPr>
+            <p:ph type="ftr" sz="quarter" idx="11"/>
+          </p:nvPr>
+        </p:nvSpPr>
+        <p:spPr/>
+        <p:txBody>
+          <a:bodyPr/>
+          <a:lstStyle/>
+          <a:p>
+            <a:pPr>
+              <a:defRPr/>
+            </a:pPr>
+            <a:r>
+              <a:rPr lang="pt-BR" smtClean="0"/>
+              <a:t>Proposta de visualização de biblioteca musical para  tocador de música Amarok</a:t>
+            </a:r>
+            <a:endParaRPr lang="pt-BR"/>
+          </a:p>
+        </p:txBody>
+      </p:sp>
+      <p:sp>
+        <p:nvSpPr>
+          <p:cNvPr id="5" name="Slide Number Placeholder 4"/>
+          <p:cNvSpPr>
+            <a:spLocks noGrp="1"/>
+          </p:cNvSpPr>
+          <p:nvPr>
+            <p:ph type="sldNum" sz="quarter" idx="12"/>
+          </p:nvPr>
+        </p:nvSpPr>
+        <p:spPr/>
+        <p:txBody>
+          <a:bodyPr/>
+          <a:lstStyle/>
+          <a:p>
+            <a:pPr>
+              <a:defRPr/>
+            </a:pPr>
+            <a:fld id="{8EC30598-ECE0-405A-9F05-AFFE9B1A84C8}" type="slidenum">
+              <a:rPr lang="pt-BR" smtClean="0"/>
+              <a:pPr>
+                <a:defRPr/>
+              </a:pPr>
+              <a:t>12</a:t>
+            </a:fld>
+            <a:endParaRPr lang="pt-BR" dirty="0"/>
+          </a:p>
+        </p:txBody>
+      </p:sp>
+      <p:pic>
+        <p:nvPicPr>
+          <p:cNvPr id="6" name="Picture 5" descr="3varPCA2.jpg"/>
+          <p:cNvPicPr>
+            <a:picLocks noChangeAspect="1"/>
+          </p:cNvPicPr>
+          <p:nvPr/>
+        </p:nvPicPr>
+        <p:blipFill>
+          <a:blip r:embed="rId2" cstate="print"/>
+          <a:stretch>
+            <a:fillRect/>
+          </a:stretch>
+        </p:blipFill>
+        <p:spPr>
+          <a:xfrm>
+            <a:off x="5072066" y="2143116"/>
+            <a:ext cx="3738572" cy="3746049"/>
+          </a:xfrm>
+          <a:prstGeom prst="rect">
+            <a:avLst/>
+          </a:prstGeom>
+        </p:spPr>
+      </p:pic>
+      <p:pic>
+        <p:nvPicPr>
+          <p:cNvPr id="7" name="Picture 6" descr="3vars.jpg"/>
+          <p:cNvPicPr>
+            <a:picLocks noChangeAspect="1"/>
+          </p:cNvPicPr>
+          <p:nvPr/>
+        </p:nvPicPr>
+        <p:blipFill>
+          <a:blip r:embed="rId3" cstate="print"/>
+          <a:stretch>
+            <a:fillRect/>
+          </a:stretch>
+        </p:blipFill>
+        <p:spPr>
+          <a:xfrm>
+            <a:off x="357158" y="2214554"/>
+            <a:ext cx="4194570" cy="3714775"/>
+          </a:xfrm>
+          <a:prstGeom prst="rect">
+            <a:avLst/>
+          </a:prstGeom>
+        </p:spPr>
+      </p:pic>
+      <p:sp>
+        <p:nvSpPr>
+          <p:cNvPr id="8" name="TextBox 7"/>
+          <p:cNvSpPr txBox="1"/>
+          <p:nvPr/>
+        </p:nvSpPr>
+        <p:spPr>
+          <a:xfrm>
+            <a:off x="1142976" y="5929330"/>
+            <a:ext cx="2467407" cy="369332"/>
+          </a:xfrm>
+          <a:prstGeom prst="rect">
+            <a:avLst/>
+          </a:prstGeom>
+          <a:noFill/>
+        </p:spPr>
+        <p:txBody>
+          <a:bodyPr wrap="none" rtlCol="0">
+            <a:spAutoFit/>
+          </a:bodyPr>
+          <a:lstStyle/>
+          <a:p>
+            <a:r>
+              <a:rPr lang="pt-BR" dirty="0" smtClean="0">
+                <a:solidFill>
+                  <a:schemeClr val="bg1"/>
+                </a:solidFill>
+              </a:rPr>
+              <a:t>PCA  em 3 dimensões</a:t>
+            </a:r>
+            <a:endParaRPr lang="pt-BR" dirty="0">
+              <a:solidFill>
+                <a:schemeClr val="bg1"/>
+              </a:solidFill>
+            </a:endParaRPr>
+          </a:p>
+        </p:txBody>
+      </p:sp>
+      <p:sp>
+        <p:nvSpPr>
+          <p:cNvPr id="9" name="Rectangle 8"/>
+          <p:cNvSpPr/>
+          <p:nvPr/>
+        </p:nvSpPr>
+        <p:spPr>
+          <a:xfrm>
+            <a:off x="5786446" y="5929330"/>
+            <a:ext cx="2403287" cy="369332"/>
+          </a:xfrm>
+          <a:prstGeom prst="rect">
+            <a:avLst/>
+          </a:prstGeom>
+        </p:spPr>
+        <p:txBody>
+          <a:bodyPr wrap="none">
+            <a:spAutoFit/>
+          </a:bodyPr>
+          <a:lstStyle/>
+          <a:p>
+            <a:r>
+              <a:rPr lang="pt-BR" dirty="0" smtClean="0">
+                <a:solidFill>
+                  <a:schemeClr val="bg1"/>
+                </a:solidFill>
+              </a:rPr>
+              <a:t>PCA em 2 dimensões</a:t>
+            </a:r>
+            <a:endParaRPr lang="pt-BR" dirty="0">
+              <a:solidFill>
+                <a:schemeClr val="bg1"/>
+              </a:solidFill>
+            </a:endParaRPr>
+          </a:p>
+        </p:txBody>
+      </p:sp>
+    </p:spTree>
+  </p:cSld>
+  <p:clrMapOvr>
+    <a:masterClrMapping/>
+  </p:clrMapOvr>
+  <p:timing>
+    <p:tnLst>
+      <p:par>
+        <p:cTn id="1" dur="indefinite" restart="never" nodeType="tmRoot"/>
+      </p:par>
+    </p:tnLst>
+  </p:timing>
+</p:sld>
+</file>
+
+<file path=ppt/slides/slide13.xml><?xml version="1.0" encoding="utf-8"?>
+<p:sld xmlns:a="http://schemas.openxmlformats.org/drawingml/2006/main" xmlns:r="http://schemas.openxmlformats.org/officeDocument/2006/relationships" xmlns:p="http://schemas.openxmlformats.org/presentationml/2006/main">
+  <p:cSld>
+    <p:spTree>
+      <p:nvGrpSpPr>
+        <p:cNvPr id="1" name=""/>
+        <p:cNvGrpSpPr/>
+        <p:nvPr/>
+      </p:nvGrpSpPr>
+      <p:grpSpPr>
+        <a:xfrm>
+          <a:off x="0" y="0"/>
+          <a:ext cx="0" cy="0"/>
+          <a:chOff x="0" y="0"/>
+          <a:chExt cx="0" cy="0"/>
+        </a:xfrm>
+      </p:grpSpPr>
+      <p:sp>
+        <p:nvSpPr>
           <p:cNvPr id="27649" name="Title 1"/>
           <p:cNvSpPr>
             <a:spLocks noGrp="1"/>
@@ -5158,7 +5627,7 @@
                   <a:spcPct val="0"/>
                 </a:spcAft>
               </a:pPr>
-              <a:t>12</a:t>
+              <a:t>13</a:t>
             </a:fld>
             <a:endParaRPr lang="pt-BR">
               <a:cs typeface="Arial" charset="0"/>
@@ -5175,7 +5644,7 @@
           <p:nvPr/>
         </p:nvPicPr>
         <p:blipFill>
-          <a:blip r:embed="rId2"/>
+          <a:blip r:embed="rId2" cstate="print"/>
           <a:srcRect/>
           <a:stretch>
             <a:fillRect/>
@@ -5213,274 +5682,6 @@
 </p:sld>
 </file>
 
-<file path=ppt/slides/slide13.xml><?xml version="1.0" encoding="utf-8"?>
-<p:sld xmlns:a="http://schemas.openxmlformats.org/drawingml/2006/main" xmlns:r="http://schemas.openxmlformats.org/officeDocument/2006/relationships" xmlns:p="http://schemas.openxmlformats.org/presentationml/2006/main">
-  <p:cSld>
-    <p:spTree>
-      <p:nvGrpSpPr>
-        <p:cNvPr id="1" name=""/>
-        <p:cNvGrpSpPr/>
-        <p:nvPr/>
-      </p:nvGrpSpPr>
-      <p:grpSpPr>
-        <a:xfrm>
-          <a:off x="0" y="0"/>
-          <a:ext cx="0" cy="0"/>
-          <a:chOff x="0" y="0"/>
-          <a:chExt cx="0" cy="0"/>
-        </a:xfrm>
-      </p:grpSpPr>
-      <p:sp>
-        <p:nvSpPr>
-          <p:cNvPr id="28673" name="Title 1"/>
-          <p:cNvSpPr>
-            <a:spLocks noGrp="1"/>
-          </p:cNvSpPr>
-          <p:nvPr>
-            <p:ph type="title"/>
-          </p:nvPr>
-        </p:nvSpPr>
-        <p:spPr/>
-        <p:txBody>
-          <a:bodyPr/>
-          <a:lstStyle/>
-          <a:p>
-            <a:r>
-              <a:rPr lang="pt-BR" smtClean="0"/>
-              <a:t>Requisitos funcionais</a:t>
-            </a:r>
-          </a:p>
-        </p:txBody>
-      </p:sp>
-      <p:sp>
-        <p:nvSpPr>
-          <p:cNvPr id="3" name="Content Placeholder 2"/>
-          <p:cNvSpPr>
-            <a:spLocks noGrp="1"/>
-          </p:cNvSpPr>
-          <p:nvPr>
-            <p:ph idx="1"/>
-          </p:nvPr>
-        </p:nvSpPr>
-        <p:spPr/>
-        <p:txBody>
-          <a:bodyPr>
-            <a:normAutofit/>
-          </a:bodyPr>
-          <a:lstStyle/>
-          <a:p>
-            <a:pPr>
-              <a:lnSpc>
-                <a:spcPct val="90000"/>
-              </a:lnSpc>
-            </a:pPr>
-            <a:r>
-              <a:rPr lang="pt-BR" sz="2400" smtClean="0"/>
-              <a:t>Manutenção de marcadores YAMO.</a:t>
-            </a:r>
-          </a:p>
-          <a:p>
-            <a:pPr>
-              <a:lnSpc>
-                <a:spcPct val="90000"/>
-              </a:lnSpc>
-            </a:pPr>
-            <a:r>
-              <a:rPr lang="pt-BR" sz="2400" smtClean="0"/>
-              <a:t>Manutenção da associação dos marcadores YAMO às músicas.</a:t>
-            </a:r>
-          </a:p>
-          <a:p>
-            <a:pPr>
-              <a:lnSpc>
-                <a:spcPct val="90000"/>
-              </a:lnSpc>
-            </a:pPr>
-            <a:r>
-              <a:rPr lang="pt-BR" sz="2400" smtClean="0"/>
-              <a:t>Permitir utilização dos filtros ID3.</a:t>
-            </a:r>
-          </a:p>
-          <a:p>
-            <a:pPr>
-              <a:lnSpc>
-                <a:spcPct val="90000"/>
-              </a:lnSpc>
-            </a:pPr>
-            <a:r>
-              <a:rPr lang="pt-BR" sz="2400" smtClean="0"/>
-              <a:t>Permitir utilização dos filtros YAMO.</a:t>
-            </a:r>
-          </a:p>
-          <a:p>
-            <a:pPr>
-              <a:lnSpc>
-                <a:spcPct val="90000"/>
-              </a:lnSpc>
-            </a:pPr>
-            <a:r>
-              <a:rPr lang="pt-BR" sz="2400" smtClean="0"/>
-              <a:t>Visualização da biblioteca de música de forma gráfica.</a:t>
-            </a:r>
-          </a:p>
-          <a:p>
-            <a:pPr>
-              <a:lnSpc>
-                <a:spcPct val="90000"/>
-              </a:lnSpc>
-            </a:pPr>
-            <a:r>
-              <a:rPr lang="pt-BR" sz="2400" smtClean="0"/>
-              <a:t>Permitir seleção de músicas visualizadas.</a:t>
-            </a:r>
-          </a:p>
-          <a:p>
-            <a:pPr>
-              <a:lnSpc>
-                <a:spcPct val="90000"/>
-              </a:lnSpc>
-            </a:pPr>
-            <a:r>
-              <a:rPr lang="pt-BR" sz="2400" smtClean="0"/>
-              <a:t>Permitir inclusão das músicas selecionadas na lista de músicas do usuário.</a:t>
-            </a:r>
-          </a:p>
-          <a:p>
-            <a:pPr>
-              <a:lnSpc>
-                <a:spcPct val="90000"/>
-              </a:lnSpc>
-            </a:pPr>
-            <a:r>
-              <a:rPr lang="pt-BR" sz="2400" smtClean="0"/>
-              <a:t>Permitir zoom sobre a visualização.</a:t>
-            </a:r>
-          </a:p>
-          <a:p>
-            <a:pPr>
-              <a:lnSpc>
-                <a:spcPct val="90000"/>
-              </a:lnSpc>
-            </a:pPr>
-            <a:r>
-              <a:rPr lang="pt-BR" sz="2400" smtClean="0"/>
-              <a:t>Permitir navegação sobre a visualização.</a:t>
-            </a:r>
-          </a:p>
-        </p:txBody>
-      </p:sp>
-      <p:sp>
-        <p:nvSpPr>
-          <p:cNvPr id="28675" name="Footer Placeholder 5"/>
-          <p:cNvSpPr>
-            <a:spLocks noGrp="1"/>
-          </p:cNvSpPr>
-          <p:nvPr>
-            <p:ph type="ftr" sz="quarter" idx="11"/>
-          </p:nvPr>
-        </p:nvSpPr>
-        <p:spPr bwMode="auto">
-          <a:noFill/>
-          <a:ln>
-            <a:miter lim="800000"/>
-            <a:headEnd/>
-            <a:tailEnd/>
-          </a:ln>
-        </p:spPr>
-        <p:txBody>
-          <a:bodyPr wrap="square" numCol="1" anchorCtr="0" compatLnSpc="1">
-            <a:prstTxWarp prst="textNoShape">
-              <a:avLst/>
-            </a:prstTxWarp>
-          </a:bodyPr>
-          <a:lstStyle/>
-          <a:p>
-            <a:pPr fontAlgn="base">
-              <a:spcBef>
-                <a:spcPct val="0"/>
-              </a:spcBef>
-              <a:spcAft>
-                <a:spcPct val="0"/>
-              </a:spcAft>
-            </a:pPr>
-            <a:r>
-              <a:rPr lang="pt-BR">
-                <a:cs typeface="Arial" charset="0"/>
-              </a:rPr>
-              <a:t>Proposta de visualização de biblioteca musical para  tocador de música Amarok</a:t>
-            </a:r>
-          </a:p>
-        </p:txBody>
-      </p:sp>
-      <p:sp>
-        <p:nvSpPr>
-          <p:cNvPr id="28676" name="Slide Number Placeholder 3"/>
-          <p:cNvSpPr>
-            <a:spLocks noGrp="1"/>
-          </p:cNvSpPr>
-          <p:nvPr>
-            <p:ph type="sldNum" sz="quarter" idx="12"/>
-          </p:nvPr>
-        </p:nvSpPr>
-        <p:spPr bwMode="auto">
-          <a:noFill/>
-          <a:ln>
-            <a:miter lim="800000"/>
-            <a:headEnd/>
-            <a:tailEnd/>
-          </a:ln>
-        </p:spPr>
-        <p:txBody>
-          <a:bodyPr wrap="square" numCol="1" anchorCtr="0" compatLnSpc="1">
-            <a:prstTxWarp prst="textNoShape">
-              <a:avLst/>
-            </a:prstTxWarp>
-          </a:bodyPr>
-          <a:lstStyle/>
-          <a:p>
-            <a:pPr fontAlgn="base">
-              <a:spcBef>
-                <a:spcPct val="0"/>
-              </a:spcBef>
-              <a:spcAft>
-                <a:spcPct val="0"/>
-              </a:spcAft>
-            </a:pPr>
-            <a:fld id="{4CF5822B-6CFB-49EF-9F34-84A69F65CDEA}" type="slidenum">
-              <a:rPr lang="pt-BR">
-                <a:cs typeface="Arial" charset="0"/>
-              </a:rPr>
-              <a:pPr fontAlgn="base">
-                <a:spcBef>
-                  <a:spcPct val="0"/>
-                </a:spcBef>
-                <a:spcAft>
-                  <a:spcPct val="0"/>
-                </a:spcAft>
-              </a:pPr>
-              <a:t>13</a:t>
-            </a:fld>
-            <a:endParaRPr lang="pt-BR">
-              <a:cs typeface="Arial" charset="0"/>
-            </a:endParaRPr>
-          </a:p>
-        </p:txBody>
-      </p:sp>
-    </p:spTree>
-  </p:cSld>
-  <p:clrMapOvr>
-    <a:masterClrMapping/>
-  </p:clrMapOvr>
-  <p:timing>
-    <p:tnLst>
-      <p:par>
-        <p:cTn id="1" dur="indefinite" restart="never" nodeType="tmRoot"/>
-      </p:par>
-    </p:tnLst>
-  </p:timing>
-</p:sld>
-</file>
-
 <file path=ppt/slides/slide14.xml><?xml version="1.0" encoding="utf-8"?>
 <p:sld xmlns:a="http://schemas.openxmlformats.org/drawingml/2006/main" xmlns:r="http://schemas.openxmlformats.org/officeDocument/2006/relationships" xmlns:p="http://schemas.openxmlformats.org/presentationml/2006/main">
   <p:cSld>
@@ -5500,7 +5701,7 @@
       </p:grpSpPr>
       <p:sp>
         <p:nvSpPr>
-          <p:cNvPr id="30721" name="Title 1"/>
+          <p:cNvPr id="28673" name="Title 1"/>
           <p:cNvSpPr>
             <a:spLocks noGrp="1"/>
           </p:cNvSpPr>
@@ -5515,14 +5716,14 @@
           <a:p>
             <a:r>
               <a:rPr lang="pt-BR" smtClean="0"/>
-              <a:t>Testes</a:t>
-            </a:r>
-          </a:p>
-        </p:txBody>
-      </p:sp>
-      <p:sp>
-        <p:nvSpPr>
-          <p:cNvPr id="30722" name="Content Placeholder 8"/>
+              <a:t>Requisitos funcionais</a:t>
+            </a:r>
+          </a:p>
+        </p:txBody>
+      </p:sp>
+      <p:sp>
+        <p:nvSpPr>
+          <p:cNvPr id="3" name="Content Placeholder 2"/>
           <p:cNvSpPr>
             <a:spLocks noGrp="1"/>
           </p:cNvSpPr>
@@ -5532,19 +5733,114 @@
         </p:nvSpPr>
         <p:spPr/>
         <p:txBody>
-          <a:bodyPr/>
-          <a:lstStyle/>
-          <a:p>
-            <a:r>
-              <a:rPr lang="pt-BR" smtClean="0"/>
-              <a:t>Vídeo</a:t>
-            </a:r>
-          </a:p>
-        </p:txBody>
-      </p:sp>
-      <p:sp>
-        <p:nvSpPr>
-          <p:cNvPr id="30723" name="Footer Placeholder 5"/>
+          <a:bodyPr>
+            <a:normAutofit/>
+          </a:bodyPr>
+          <a:lstStyle/>
+          <a:p>
+            <a:pPr>
+              <a:lnSpc>
+                <a:spcPct val="90000"/>
+              </a:lnSpc>
+            </a:pPr>
+            <a:r>
+              <a:rPr lang="pt-BR" sz="2400" smtClean="0"/>
+              <a:t>Manutenção de marcadores YAMO.</a:t>
+            </a:r>
+          </a:p>
+          <a:p>
+            <a:pPr>
+              <a:lnSpc>
+                <a:spcPct val="90000"/>
+              </a:lnSpc>
+            </a:pPr>
+            <a:r>
+              <a:rPr lang="pt-BR" sz="2400" smtClean="0"/>
+              <a:t>Manutenção da associação dos marcadores YAMO às músicas.</a:t>
+            </a:r>
+          </a:p>
+          <a:p>
+            <a:pPr>
+              <a:lnSpc>
+                <a:spcPct val="90000"/>
+              </a:lnSpc>
+            </a:pPr>
+            <a:r>
+              <a:rPr lang="pt-BR" sz="2400" smtClean="0"/>
+              <a:t>Permitir utilização dos filtros ID3.</a:t>
+            </a:r>
+          </a:p>
+          <a:p>
+            <a:pPr>
+              <a:lnSpc>
+                <a:spcPct val="90000"/>
+              </a:lnSpc>
+            </a:pPr>
+            <a:r>
+              <a:rPr lang="pt-BR" sz="2400" smtClean="0"/>
+              <a:t>Permitir utilização dos filtros YAMO.</a:t>
+            </a:r>
+          </a:p>
+          <a:p>
+            <a:pPr>
+              <a:lnSpc>
+                <a:spcPct val="90000"/>
+              </a:lnSpc>
+            </a:pPr>
+            <a:r>
+              <a:rPr lang="pt-BR" sz="2400" smtClean="0"/>
+              <a:t>Visualização da biblioteca de música de forma gráfica.</a:t>
+            </a:r>
+          </a:p>
+          <a:p>
+            <a:pPr>
+              <a:lnSpc>
+                <a:spcPct val="90000"/>
+              </a:lnSpc>
+            </a:pPr>
+            <a:r>
+              <a:rPr lang="pt-BR" sz="2400" smtClean="0"/>
+              <a:t>Permitir seleção de músicas visualizadas.</a:t>
+            </a:r>
+          </a:p>
+          <a:p>
+            <a:pPr>
+              <a:lnSpc>
+                <a:spcPct val="90000"/>
+              </a:lnSpc>
+            </a:pPr>
+            <a:r>
+              <a:rPr lang="pt-BR" sz="2400" smtClean="0"/>
+              <a:t>Permitir inclusão das músicas selecionadas na lista de músicas do usuário.</a:t>
+            </a:r>
+          </a:p>
+          <a:p>
+            <a:pPr>
+              <a:lnSpc>
+                <a:spcPct val="90000"/>
+              </a:lnSpc>
+            </a:pPr>
+            <a:r>
+              <a:rPr lang="pt-BR" sz="2400" smtClean="0"/>
+              <a:t>Permitir zoom sobre a visualização.</a:t>
+            </a:r>
+          </a:p>
+          <a:p>
+            <a:pPr>
+              <a:lnSpc>
+                <a:spcPct val="90000"/>
+              </a:lnSpc>
+            </a:pPr>
+            <a:r>
+              <a:rPr lang="pt-BR" sz="2400" smtClean="0"/>
+              <a:t>Permitir navegação sobre a visualização.</a:t>
+            </a:r>
+          </a:p>
+        </p:txBody>
+      </p:sp>
+      <p:sp>
+        <p:nvSpPr>
+          <p:cNvPr id="28675" name="Footer Placeholder 5"/>
           <p:cNvSpPr>
             <a:spLocks noGrp="1"/>
           </p:cNvSpPr>
@@ -5587,7 +5883,7 @@
       </p:sp>
       <p:sp>
         <p:nvSpPr>
-          <p:cNvPr id="30724" name="Slide Number Placeholder 4"/>
+          <p:cNvPr id="28676" name="Slide Number Placeholder 3"/>
           <p:cNvSpPr>
             <a:spLocks noGrp="1"/>
           </p:cNvSpPr>
@@ -5619,7 +5915,7 @@
                 <a:spcPct val="0"/>
               </a:spcAft>
             </a:pPr>
-            <a:fld id="{D8E6745B-E6B9-4B88-8AFD-D4EDFCE964FF}" type="slidenum">
+            <a:fld id="{4CF5822B-6CFB-49EF-9F34-84A69F65CDEA}" type="slidenum">
               <a:rPr lang="pt-BR">
                 <a:cs typeface="Arial" charset="0"/>
               </a:rPr>
@@ -5673,7 +5969,7 @@
       </p:grpSpPr>
       <p:sp>
         <p:nvSpPr>
-          <p:cNvPr id="31745" name="Title 1"/>
+          <p:cNvPr id="30721" name="Title 1"/>
           <p:cNvSpPr>
             <a:spLocks noGrp="1"/>
           </p:cNvSpPr>
@@ -5688,14 +5984,14 @@
           <a:p>
             <a:r>
               <a:rPr lang="pt-BR" smtClean="0"/>
-              <a:t>Conclusões</a:t>
-            </a:r>
-          </a:p>
-        </p:txBody>
-      </p:sp>
-      <p:sp>
-        <p:nvSpPr>
-          <p:cNvPr id="31746" name="Content Placeholder 2"/>
+              <a:t>Testes</a:t>
+            </a:r>
+          </a:p>
+        </p:txBody>
+      </p:sp>
+      <p:sp>
+        <p:nvSpPr>
+          <p:cNvPr id="30722" name="Content Placeholder 8"/>
           <p:cNvSpPr>
             <a:spLocks noGrp="1"/>
           </p:cNvSpPr>
@@ -5710,58 +6006,14 @@
           <a:p>
             <a:r>
               <a:rPr lang="pt-BR" smtClean="0"/>
-              <a:t>Resultados dos testes</a:t>
-            </a:r>
-          </a:p>
-          <a:p>
-            <a:endParaRPr lang="pt-BR" smtClean="0"/>
-          </a:p>
-          <a:p>
-            <a:r>
-              <a:rPr lang="pt-BR" smtClean="0"/>
-              <a:t>Trabalhos futuros</a:t>
-            </a:r>
-          </a:p>
-          <a:p>
-            <a:pPr lvl="1"/>
-            <a:r>
-              <a:rPr lang="pt-BR" smtClean="0"/>
-              <a:t>Integração com bibliotecas de áudio </a:t>
-            </a:r>
-            <a:r>
-              <a:rPr lang="pt-BR" i="1" smtClean="0"/>
-              <a:t>online</a:t>
-            </a:r>
-            <a:r>
-              <a:rPr lang="pt-BR" smtClean="0"/>
-              <a:t>.</a:t>
-            </a:r>
-          </a:p>
-          <a:p>
-            <a:pPr lvl="1"/>
-            <a:r>
-              <a:rPr lang="pt-BR" smtClean="0"/>
-              <a:t>Implementação do método PCA.</a:t>
-            </a:r>
-          </a:p>
-          <a:p>
-            <a:pPr lvl="1"/>
-            <a:r>
-              <a:rPr lang="pt-BR" smtClean="0"/>
-              <a:t>Manutenção dos marcadores na própria música através de estegonografia.</a:t>
-            </a:r>
-          </a:p>
-          <a:p>
-            <a:endParaRPr lang="pt-BR" smtClean="0"/>
-          </a:p>
-          <a:p>
-            <a:endParaRPr lang="pt-BR" smtClean="0"/>
-          </a:p>
-        </p:txBody>
-      </p:sp>
-      <p:sp>
-        <p:nvSpPr>
-          <p:cNvPr id="31747" name="Footer Placeholder 5"/>
+              <a:t>Vídeo</a:t>
+            </a:r>
+          </a:p>
+        </p:txBody>
+      </p:sp>
+      <p:sp>
+        <p:nvSpPr>
+          <p:cNvPr id="30723" name="Footer Placeholder 5"/>
           <p:cNvSpPr>
             <a:spLocks noGrp="1"/>
           </p:cNvSpPr>
@@ -5804,7 +6056,7 @@
       </p:sp>
       <p:sp>
         <p:nvSpPr>
-          <p:cNvPr id="31748" name="Slide Number Placeholder 3"/>
+          <p:cNvPr id="30724" name="Slide Number Placeholder 4"/>
           <p:cNvSpPr>
             <a:spLocks noGrp="1"/>
           </p:cNvSpPr>
@@ -5836,7 +6088,7 @@
                 <a:spcPct val="0"/>
               </a:spcAft>
             </a:pPr>
-            <a:fld id="{3343C4DF-CC59-41B2-A945-FEDDBA15410E}" type="slidenum">
+            <a:fld id="{D8E6745B-E6B9-4B88-8AFD-D4EDFCE964FF}" type="slidenum">
               <a:rPr lang="pt-BR">
                 <a:cs typeface="Arial" charset="0"/>
               </a:rPr>
@@ -5890,6 +6142,394 @@
       </p:grpSpPr>
       <p:sp>
         <p:nvSpPr>
+          <p:cNvPr id="2" name="Title 1"/>
+          <p:cNvSpPr>
+            <a:spLocks noGrp="1"/>
+          </p:cNvSpPr>
+          <p:nvPr>
+            <p:ph type="title"/>
+          </p:nvPr>
+        </p:nvSpPr>
+        <p:spPr/>
+        <p:txBody>
+          <a:bodyPr/>
+          <a:lstStyle/>
+          <a:p>
+            <a:r>
+              <a:rPr lang="pt-BR" dirty="0" smtClean="0"/>
+              <a:t>Estudo de caso</a:t>
+            </a:r>
+            <a:endParaRPr lang="pt-BR" dirty="0"/>
+          </a:p>
+        </p:txBody>
+      </p:sp>
+      <p:sp>
+        <p:nvSpPr>
+          <p:cNvPr id="3" name="Content Placeholder 2"/>
+          <p:cNvSpPr>
+            <a:spLocks noGrp="1"/>
+          </p:cNvSpPr>
+          <p:nvPr>
+            <p:ph idx="1"/>
+          </p:nvPr>
+        </p:nvSpPr>
+        <p:spPr/>
+        <p:txBody>
+          <a:bodyPr/>
+          <a:lstStyle/>
+          <a:p>
+            <a:r>
+              <a:rPr lang="pt-BR" dirty="0" smtClean="0"/>
+              <a:t>Festa dos anos 80</a:t>
+            </a:r>
+          </a:p>
+          <a:p>
+            <a:pPr lvl="1"/>
+            <a:r>
+              <a:rPr lang="pt-BR" dirty="0" smtClean="0"/>
+              <a:t>Conhecimento prévio sobre Amarok.</a:t>
+            </a:r>
+          </a:p>
+          <a:p>
+            <a:pPr lvl="1"/>
+            <a:r>
+              <a:rPr lang="pt-BR" dirty="0" smtClean="0"/>
+              <a:t>As músicas foram previamente marcadas.</a:t>
+            </a:r>
+          </a:p>
+          <a:p>
+            <a:pPr lvl="1"/>
+            <a:r>
+              <a:rPr lang="pt-BR" dirty="0" smtClean="0"/>
+              <a:t>730 músicas.</a:t>
+            </a:r>
+          </a:p>
+          <a:p>
+            <a:pPr lvl="1"/>
+            <a:r>
+              <a:rPr lang="pt-BR" dirty="0" smtClean="0"/>
+              <a:t>Filtros ID3 utilizados.</a:t>
+            </a:r>
+          </a:p>
+          <a:p>
+            <a:pPr lvl="1"/>
+            <a:r>
+              <a:rPr lang="pt-BR" dirty="0" smtClean="0"/>
+              <a:t>Filtros YAMO utilizados.</a:t>
+            </a:r>
+          </a:p>
+          <a:p>
+            <a:pPr lvl="1"/>
+            <a:endParaRPr lang="pt-BR" dirty="0"/>
+          </a:p>
+        </p:txBody>
+      </p:sp>
+      <p:sp>
+        <p:nvSpPr>
+          <p:cNvPr id="4" name="Footer Placeholder 3"/>
+          <p:cNvSpPr>
+            <a:spLocks noGrp="1"/>
+          </p:cNvSpPr>
+          <p:nvPr>
+            <p:ph type="ftr" sz="quarter" idx="11"/>
+          </p:nvPr>
+        </p:nvSpPr>
+        <p:spPr/>
+        <p:txBody>
+          <a:bodyPr/>
+          <a:lstStyle/>
+          <a:p>
+            <a:pPr>
+              <a:defRPr/>
+            </a:pPr>
+            <a:r>
+              <a:rPr lang="pt-BR" smtClean="0"/>
+              <a:t>Proposta de visualização de biblioteca musical para  tocador de música Amarok</a:t>
+            </a:r>
+            <a:endParaRPr lang="pt-BR"/>
+          </a:p>
+        </p:txBody>
+      </p:sp>
+      <p:sp>
+        <p:nvSpPr>
+          <p:cNvPr id="5" name="Slide Number Placeholder 4"/>
+          <p:cNvSpPr>
+            <a:spLocks noGrp="1"/>
+          </p:cNvSpPr>
+          <p:nvPr>
+            <p:ph type="sldNum" sz="quarter" idx="12"/>
+          </p:nvPr>
+        </p:nvSpPr>
+        <p:spPr/>
+        <p:txBody>
+          <a:bodyPr/>
+          <a:lstStyle/>
+          <a:p>
+            <a:pPr>
+              <a:defRPr/>
+            </a:pPr>
+            <a:fld id="{8EC30598-ECE0-405A-9F05-AFFE9B1A84C8}" type="slidenum">
+              <a:rPr lang="pt-BR" smtClean="0"/>
+              <a:pPr>
+                <a:defRPr/>
+              </a:pPr>
+              <a:t>16</a:t>
+            </a:fld>
+            <a:endParaRPr lang="pt-BR" dirty="0"/>
+          </a:p>
+        </p:txBody>
+      </p:sp>
+    </p:spTree>
+  </p:cSld>
+  <p:clrMapOvr>
+    <a:masterClrMapping/>
+  </p:clrMapOvr>
+  <p:timing>
+    <p:tnLst>
+      <p:par>
+        <p:cTn id="1" dur="indefinite" restart="never" nodeType="tmRoot"/>
+      </p:par>
+    </p:tnLst>
+  </p:timing>
+</p:sld>
+</file>
+
+<file path=ppt/slides/slide17.xml><?xml version="1.0" encoding="utf-8"?>
+<p:sld xmlns:a="http://schemas.openxmlformats.org/drawingml/2006/main" xmlns:r="http://schemas.openxmlformats.org/officeDocument/2006/relationships" xmlns:p="http://schemas.openxmlformats.org/presentationml/2006/main">
+  <p:cSld>
+    <p:spTree>
+      <p:nvGrpSpPr>
+        <p:cNvPr id="1" name=""/>
+        <p:cNvGrpSpPr/>
+        <p:nvPr/>
+      </p:nvGrpSpPr>
+      <p:grpSpPr>
+        <a:xfrm>
+          <a:off x="0" y="0"/>
+          <a:ext cx="0" cy="0"/>
+          <a:chOff x="0" y="0"/>
+          <a:chExt cx="0" cy="0"/>
+        </a:xfrm>
+      </p:grpSpPr>
+      <p:sp>
+        <p:nvSpPr>
+          <p:cNvPr id="31745" name="Title 1"/>
+          <p:cNvSpPr>
+            <a:spLocks noGrp="1"/>
+          </p:cNvSpPr>
+          <p:nvPr>
+            <p:ph type="title"/>
+          </p:nvPr>
+        </p:nvSpPr>
+        <p:spPr/>
+        <p:txBody>
+          <a:bodyPr/>
+          <a:lstStyle/>
+          <a:p>
+            <a:r>
+              <a:rPr lang="pt-BR" smtClean="0"/>
+              <a:t>Conclusões</a:t>
+            </a:r>
+          </a:p>
+        </p:txBody>
+      </p:sp>
+      <p:sp>
+        <p:nvSpPr>
+          <p:cNvPr id="31746" name="Content Placeholder 2"/>
+          <p:cNvSpPr>
+            <a:spLocks noGrp="1"/>
+          </p:cNvSpPr>
+          <p:nvPr>
+            <p:ph idx="1"/>
+          </p:nvPr>
+        </p:nvSpPr>
+        <p:spPr/>
+        <p:txBody>
+          <a:bodyPr/>
+          <a:lstStyle/>
+          <a:p>
+            <a:r>
+              <a:rPr lang="pt-BR" smtClean="0"/>
+              <a:t>Resultados dos testes</a:t>
+            </a:r>
+          </a:p>
+          <a:p>
+            <a:endParaRPr lang="pt-BR" smtClean="0"/>
+          </a:p>
+          <a:p>
+            <a:r>
+              <a:rPr lang="pt-BR" smtClean="0"/>
+              <a:t>Trabalhos futuros</a:t>
+            </a:r>
+          </a:p>
+          <a:p>
+            <a:pPr lvl="1"/>
+            <a:r>
+              <a:rPr lang="pt-BR" smtClean="0"/>
+              <a:t>Integração com bibliotecas de áudio </a:t>
+            </a:r>
+            <a:r>
+              <a:rPr lang="pt-BR" i="1" smtClean="0"/>
+              <a:t>online</a:t>
+            </a:r>
+            <a:r>
+              <a:rPr lang="pt-BR" smtClean="0"/>
+              <a:t>.</a:t>
+            </a:r>
+          </a:p>
+          <a:p>
+            <a:pPr lvl="1"/>
+            <a:r>
+              <a:rPr lang="pt-BR" smtClean="0"/>
+              <a:t>Implementação do método PCA.</a:t>
+            </a:r>
+          </a:p>
+          <a:p>
+            <a:pPr lvl="1"/>
+            <a:r>
+              <a:rPr lang="pt-BR" smtClean="0"/>
+              <a:t>Manutenção dos marcadores na própria música através de estegonografia.</a:t>
+            </a:r>
+          </a:p>
+          <a:p>
+            <a:endParaRPr lang="pt-BR" smtClean="0"/>
+          </a:p>
+          <a:p>
+            <a:endParaRPr lang="pt-BR" smtClean="0"/>
+          </a:p>
+        </p:txBody>
+      </p:sp>
+      <p:sp>
+        <p:nvSpPr>
+          <p:cNvPr id="31747" name="Footer Placeholder 5"/>
+          <p:cNvSpPr>
+            <a:spLocks noGrp="1"/>
+          </p:cNvSpPr>
+          <p:nvPr>
+            <p:ph type="ftr" sz="quarter" idx="11"/>
+          </p:nvPr>
+        </p:nvSpPr>
+        <p:spPr bwMode="auto">
+          <a:noFill/>
+          <a:ln>
+            <a:miter lim="800000"/>
+            <a:headEnd/>
+            <a:tailEnd/>
+          </a:ln>
+        </p:spPr>
+        <p:txBody>
+          <a:bodyPr wrap="square" numCol="1" anchorCtr="0" compatLnSpc="1">
+            <a:prstTxWarp prst="textNoShape">
+              <a:avLst/>
+            </a:prstTxWarp>
+          </a:bodyPr>
+          <a:lstStyle/>
+          <a:p>
+            <a:pPr fontAlgn="base">
+              <a:spcBef>
+                <a:spcPct val="0"/>
+              </a:spcBef>
+              <a:spcAft>
+                <a:spcPct val="0"/>
+              </a:spcAft>
+            </a:pPr>
+            <a:r>
+              <a:rPr lang="pt-BR">
+                <a:cs typeface="Arial" charset="0"/>
+              </a:rPr>
+              <a:t>Proposta de visualização de biblioteca musical para  tocador de música Amarok</a:t>
+            </a:r>
+          </a:p>
+        </p:txBody>
+      </p:sp>
+      <p:sp>
+        <p:nvSpPr>
+          <p:cNvPr id="31748" name="Slide Number Placeholder 3"/>
+          <p:cNvSpPr>
+            <a:spLocks noGrp="1"/>
+          </p:cNvSpPr>
+          <p:nvPr>
+            <p:ph type="sldNum" sz="quarter" idx="12"/>
+          </p:nvPr>
+        </p:nvSpPr>
+        <p:spPr bwMode="auto">
+          <a:noFill/>
+          <a:ln>
+            <a:miter lim="800000"/>
+            <a:headEnd/>
+            <a:tailEnd/>
+          </a:ln>
+        </p:spPr>
+        <p:txBody>
+          <a:bodyPr wrap="square" numCol="1" anchorCtr="0" compatLnSpc="1">
+            <a:prstTxWarp prst="textNoShape">
+              <a:avLst/>
+            </a:prstTxWarp>
+          </a:bodyPr>
+          <a:lstStyle/>
+          <a:p>
+            <a:pPr fontAlgn="base">
+              <a:spcBef>
+                <a:spcPct val="0"/>
+              </a:spcBef>
+              <a:spcAft>
+                <a:spcPct val="0"/>
+              </a:spcAft>
+            </a:pPr>
+            <a:fld id="{3343C4DF-CC59-41B2-A945-FEDDBA15410E}" type="slidenum">
+              <a:rPr lang="pt-BR">
+                <a:cs typeface="Arial" charset="0"/>
+              </a:rPr>
+              <a:pPr fontAlgn="base">
+                <a:spcBef>
+                  <a:spcPct val="0"/>
+                </a:spcBef>
+                <a:spcAft>
+                  <a:spcPct val="0"/>
+                </a:spcAft>
+              </a:pPr>
+              <a:t>17</a:t>
+            </a:fld>
+            <a:endParaRPr lang="pt-BR">
+              <a:cs typeface="Arial" charset="0"/>
+            </a:endParaRPr>
+          </a:p>
+        </p:txBody>
+      </p:sp>
+    </p:spTree>
+  </p:cSld>
+  <p:clrMapOvr>
+    <a:masterClrMapping/>
+  </p:clrMapOvr>
+  <p:timing>
+    <p:tnLst>
+      <p:par>
+        <p:cTn id="1" dur="indefinite" restart="never" nodeType="tmRoot"/>
+      </p:par>
+    </p:tnLst>
+  </p:timing>
+</p:sld>
+</file>
+
+<file path=ppt/slides/slide18.xml><?xml version="1.0" encoding="utf-8"?>
+<p:sld xmlns:a="http://schemas.openxmlformats.org/drawingml/2006/main" xmlns:r="http://schemas.openxmlformats.org/officeDocument/2006/relationships" xmlns:p="http://schemas.openxmlformats.org/presentationml/2006/main">
+  <p:cSld>
+    <p:spTree>
+      <p:nvGrpSpPr>
+        <p:cNvPr id="1" name=""/>
+        <p:cNvGrpSpPr/>
+        <p:nvPr/>
+      </p:nvGrpSpPr>
+      <p:grpSpPr>
+        <a:xfrm>
+          <a:off x="0" y="0"/>
+          <a:ext cx="0" cy="0"/>
+          <a:chOff x="0" y="0"/>
+          <a:chExt cx="0" cy="0"/>
+        </a:xfrm>
+      </p:grpSpPr>
+      <p:sp>
+        <p:nvSpPr>
           <p:cNvPr id="32769" name="Title 1"/>
           <p:cNvSpPr>
             <a:spLocks noGrp="1"/>
@@ -5926,33 +6566,132 @@
           <a:lstStyle/>
           <a:p>
             <a:r>
-              <a:rPr lang="pt-BR" smtClean="0"/>
+              <a:rPr lang="pt-BR" sz="2800" dirty="0" smtClean="0"/>
               <a:t>FREITAS, Carla; CHUBACHI, Olinda; LUZZARDI, Paulo; CAVA, Ricardo. </a:t>
             </a:r>
             <a:r>
-              <a:rPr lang="en-US" smtClean="0"/>
-              <a:t>Introdução à Visualização de Informações. 2001.</a:t>
-            </a:r>
-            <a:endParaRPr lang="pt-BR" smtClean="0"/>
-          </a:p>
-          <a:p>
-            <a:r>
-              <a:rPr lang="en-US" smtClean="0"/>
-              <a:t>CARR, David. Guidelines for Desiging Information Visualization Application. </a:t>
-            </a:r>
-            <a:r>
-              <a:rPr lang="pt-BR" smtClean="0"/>
-              <a:t>1999.</a:t>
-            </a:r>
-          </a:p>
-          <a:p>
-            <a:endParaRPr lang="pt-BR" smtClean="0"/>
-          </a:p>
-          <a:p>
-            <a:endParaRPr lang="pt-BR" smtClean="0"/>
-          </a:p>
-          <a:p>
-            <a:endParaRPr lang="pt-BR" smtClean="0"/>
+              <a:rPr lang="en-US" sz="2800" dirty="0" err="1" smtClean="0"/>
+              <a:t>Introdução</a:t>
+            </a:r>
+            <a:r>
+              <a:rPr lang="en-US" sz="2800" dirty="0" smtClean="0"/>
+              <a:t> à </a:t>
+            </a:r>
+            <a:r>
+              <a:rPr lang="en-US" sz="2800" dirty="0" err="1" smtClean="0"/>
+              <a:t>Visualização</a:t>
+            </a:r>
+            <a:r>
+              <a:rPr lang="en-US" sz="2800" dirty="0" smtClean="0"/>
+              <a:t> de </a:t>
+            </a:r>
+            <a:r>
+              <a:rPr lang="en-US" sz="2800" dirty="0" err="1" smtClean="0"/>
+              <a:t>Informações</a:t>
+            </a:r>
+            <a:r>
+              <a:rPr lang="en-US" sz="2800" dirty="0" smtClean="0"/>
+              <a:t>. 2001.</a:t>
+            </a:r>
+            <a:endParaRPr lang="pt-BR" sz="2800" dirty="0" smtClean="0"/>
+          </a:p>
+          <a:p>
+            <a:r>
+              <a:rPr lang="en-US" sz="2800" dirty="0" smtClean="0"/>
+              <a:t>CARR, David. Guidelines for </a:t>
+            </a:r>
+            <a:r>
+              <a:rPr lang="en-US" sz="2800" dirty="0" err="1" smtClean="0"/>
+              <a:t>Desiging</a:t>
+            </a:r>
+            <a:r>
+              <a:rPr lang="en-US" sz="2800" dirty="0" smtClean="0"/>
+              <a:t> Information Visualization Application. </a:t>
+            </a:r>
+            <a:r>
+              <a:rPr lang="pt-BR" sz="2800" dirty="0" smtClean="0"/>
+              <a:t>1999</a:t>
+            </a:r>
+            <a:r>
+              <a:rPr lang="pt-BR" sz="2800" dirty="0" smtClean="0"/>
+              <a:t>.</a:t>
+            </a:r>
+          </a:p>
+          <a:p>
+            <a:r>
+              <a:rPr lang="pt-BR" sz="2800" dirty="0" smtClean="0"/>
+              <a:t>PALMER, Michael. </a:t>
+            </a:r>
+            <a:r>
+              <a:rPr lang="pt-BR" sz="2800" i="1" dirty="0" smtClean="0"/>
+              <a:t>Principal </a:t>
+            </a:r>
+            <a:r>
+              <a:rPr lang="pt-BR" sz="2800" i="1" dirty="0" smtClean="0"/>
+              <a:t>Components </a:t>
+            </a:r>
+            <a:r>
+              <a:rPr lang="pt-BR" sz="2800" i="1" dirty="0" smtClean="0"/>
+              <a:t>Analysis</a:t>
+            </a:r>
+            <a:r>
+              <a:rPr lang="pt-BR" sz="2800" dirty="0" smtClean="0"/>
+              <a:t>. </a:t>
+            </a:r>
+            <a:r>
+              <a:rPr lang="pt-BR" sz="2800" dirty="0" smtClean="0"/>
+              <a:t>Disponível em: </a:t>
+            </a:r>
+            <a:r>
+              <a:rPr lang="pt-BR" sz="2800" dirty="0" smtClean="0"/>
+              <a:t>&lt;</a:t>
+            </a:r>
+            <a:r>
+              <a:rPr lang="pt-BR" sz="2800" dirty="0" smtClean="0"/>
+              <a:t>http://</a:t>
+            </a:r>
+            <a:r>
+              <a:rPr lang="pt-BR" sz="2800" dirty="0" smtClean="0"/>
+              <a:t>ordination.okstate.edu/PCA.htm&gt;. </a:t>
+            </a:r>
+            <a:r>
+              <a:rPr lang="en-US" sz="2800" dirty="0" err="1" smtClean="0"/>
+              <a:t>Acesso</a:t>
+            </a:r>
+            <a:r>
+              <a:rPr lang="en-US" sz="2800" dirty="0" smtClean="0"/>
+              <a:t> </a:t>
+            </a:r>
+            <a:r>
+              <a:rPr lang="en-US" sz="2800" dirty="0" err="1" smtClean="0"/>
+              <a:t>em</a:t>
+            </a:r>
+            <a:r>
+              <a:rPr lang="en-US" sz="2800" dirty="0" smtClean="0"/>
+              <a:t>: 06 </a:t>
+            </a:r>
+            <a:r>
+              <a:rPr lang="en-US" sz="2800" dirty="0" err="1" smtClean="0"/>
+              <a:t>jun</a:t>
+            </a:r>
+            <a:r>
+              <a:rPr lang="en-US" sz="2800" dirty="0" smtClean="0"/>
+              <a:t> 2009</a:t>
+            </a:r>
+            <a:r>
+              <a:rPr lang="en-US" sz="2800" dirty="0" smtClean="0"/>
+              <a:t>.</a:t>
+            </a:r>
+            <a:endParaRPr lang="pt-BR" sz="2800" dirty="0" smtClean="0"/>
+          </a:p>
+          <a:p>
+            <a:endParaRPr lang="pt-BR" dirty="0" smtClean="0"/>
+          </a:p>
+          <a:p>
+            <a:endParaRPr lang="pt-BR" dirty="0" smtClean="0"/>
+          </a:p>
+          <a:p>
+            <a:endParaRPr lang="pt-BR" dirty="0" smtClean="0"/>
           </a:p>
         </p:txBody>
       </p:sp>
@@ -6045,7 +6784,7 @@
                   <a:spcPct val="0"/>
                 </a:spcAft>
               </a:pPr>
-              <a:t>16</a:t>
+              <a:t>18</a:t>
             </a:fld>
             <a:endParaRPr lang="pt-BR">
               <a:cs typeface="Arial" charset="0"/>
@@ -6712,7 +7451,7 @@
           <p:nvPr/>
         </p:nvPicPr>
         <p:blipFill>
-          <a:blip r:embed="rId2"/>
+          <a:blip r:embed="rId2" cstate="print"/>
           <a:srcRect/>
           <a:stretch>
             <a:fillRect/>
@@ -6786,7 +7525,7 @@
           <p:nvPr/>
         </p:nvPicPr>
         <p:blipFill>
-          <a:blip r:embed="rId3"/>
+          <a:blip r:embed="rId3" cstate="print"/>
           <a:srcRect/>
           <a:stretch>
             <a:fillRect/>
@@ -7490,7 +8229,7 @@
           <p:nvPr/>
         </p:nvPicPr>
         <p:blipFill>
-          <a:blip r:embed="rId2"/>
+          <a:blip r:embed="rId2" cstate="print"/>
           <a:srcRect/>
           <a:stretch>
             <a:fillRect/>
@@ -7903,7 +8642,7 @@
           <p:nvPr/>
         </p:nvPicPr>
         <p:blipFill>
-          <a:blip r:embed="rId2"/>
+          <a:blip r:embed="rId2" cstate="print"/>
           <a:srcRect/>
           <a:stretch>
             <a:fillRect/>
